--- a/static/courses/115Slides/1-Expressions.pptx
+++ b/static/courses/115Slides/1-Expressions.pptx
@@ -200,7 +200,7 @@
           <a:p>
             <a:fld id="{E43CAD67-EA07-6E43-B513-90AD5AC9B4AC}" type="datetimeFigureOut">
               <a:rPr lang="en-US" smtClean="0"/>
-              <a:t>1/31/17</a:t>
+              <a:t>2/2/17</a:t>
             </a:fld>
             <a:endParaRPr lang="en-US"/>
           </a:p>
@@ -649,7 +649,7 @@
           <a:p>
             <a:fld id="{37294231-DEF7-9C44-8263-6D85FFAC3F1A}" type="datetimeFigureOut">
               <a:rPr lang="en-US" smtClean="0"/>
-              <a:t>1/31/17</a:t>
+              <a:t>2/2/17</a:t>
             </a:fld>
             <a:endParaRPr lang="en-US"/>
           </a:p>
@@ -819,7 +819,7 @@
           <a:p>
             <a:fld id="{37294231-DEF7-9C44-8263-6D85FFAC3F1A}" type="datetimeFigureOut">
               <a:rPr lang="en-US" smtClean="0"/>
-              <a:t>1/31/17</a:t>
+              <a:t>2/2/17</a:t>
             </a:fld>
             <a:endParaRPr lang="en-US"/>
           </a:p>
@@ -999,7 +999,7 @@
           <a:p>
             <a:fld id="{37294231-DEF7-9C44-8263-6D85FFAC3F1A}" type="datetimeFigureOut">
               <a:rPr lang="en-US" smtClean="0"/>
-              <a:t>1/31/17</a:t>
+              <a:t>2/2/17</a:t>
             </a:fld>
             <a:endParaRPr lang="en-US"/>
           </a:p>
@@ -1169,7 +1169,7 @@
           <a:p>
             <a:fld id="{37294231-DEF7-9C44-8263-6D85FFAC3F1A}" type="datetimeFigureOut">
               <a:rPr lang="en-US" smtClean="0"/>
-              <a:t>1/31/17</a:t>
+              <a:t>2/2/17</a:t>
             </a:fld>
             <a:endParaRPr lang="en-US"/>
           </a:p>
@@ -1415,7 +1415,7 @@
           <a:p>
             <a:fld id="{37294231-DEF7-9C44-8263-6D85FFAC3F1A}" type="datetimeFigureOut">
               <a:rPr lang="en-US" smtClean="0"/>
-              <a:t>1/31/17</a:t>
+              <a:t>2/2/17</a:t>
             </a:fld>
             <a:endParaRPr lang="en-US"/>
           </a:p>
@@ -1703,7 +1703,7 @@
           <a:p>
             <a:fld id="{37294231-DEF7-9C44-8263-6D85FFAC3F1A}" type="datetimeFigureOut">
               <a:rPr lang="en-US" smtClean="0"/>
-              <a:t>1/31/17</a:t>
+              <a:t>2/2/17</a:t>
             </a:fld>
             <a:endParaRPr lang="en-US"/>
           </a:p>
@@ -2125,7 +2125,7 @@
           <a:p>
             <a:fld id="{37294231-DEF7-9C44-8263-6D85FFAC3F1A}" type="datetimeFigureOut">
               <a:rPr lang="en-US" smtClean="0"/>
-              <a:t>1/31/17</a:t>
+              <a:t>2/2/17</a:t>
             </a:fld>
             <a:endParaRPr lang="en-US"/>
           </a:p>
@@ -2243,7 +2243,7 @@
           <a:p>
             <a:fld id="{37294231-DEF7-9C44-8263-6D85FFAC3F1A}" type="datetimeFigureOut">
               <a:rPr lang="en-US" smtClean="0"/>
-              <a:t>1/31/17</a:t>
+              <a:t>2/2/17</a:t>
             </a:fld>
             <a:endParaRPr lang="en-US"/>
           </a:p>
@@ -2338,7 +2338,7 @@
           <a:p>
             <a:fld id="{37294231-DEF7-9C44-8263-6D85FFAC3F1A}" type="datetimeFigureOut">
               <a:rPr lang="en-US" smtClean="0"/>
-              <a:t>1/31/17</a:t>
+              <a:t>2/2/17</a:t>
             </a:fld>
             <a:endParaRPr lang="en-US"/>
           </a:p>
@@ -2615,7 +2615,7 @@
           <a:p>
             <a:fld id="{37294231-DEF7-9C44-8263-6D85FFAC3F1A}" type="datetimeFigureOut">
               <a:rPr lang="en-US" smtClean="0"/>
-              <a:t>1/31/17</a:t>
+              <a:t>2/2/17</a:t>
             </a:fld>
             <a:endParaRPr lang="en-US"/>
           </a:p>
@@ -2872,7 +2872,7 @@
           <a:p>
             <a:fld id="{37294231-DEF7-9C44-8263-6D85FFAC3F1A}" type="datetimeFigureOut">
               <a:rPr lang="en-US" smtClean="0"/>
-              <a:t>1/31/17</a:t>
+              <a:t>2/2/17</a:t>
             </a:fld>
             <a:endParaRPr lang="en-US"/>
           </a:p>
@@ -3085,7 +3085,7 @@
           <a:p>
             <a:fld id="{37294231-DEF7-9C44-8263-6D85FFAC3F1A}" type="datetimeFigureOut">
               <a:rPr lang="en-US" smtClean="0"/>
-              <a:t>1/31/17</a:t>
+              <a:t>2/2/17</a:t>
             </a:fld>
             <a:endParaRPr lang="en-US"/>
           </a:p>
@@ -3539,10 +3539,6 @@
           </a:bodyPr>
           <a:lstStyle/>
           <a:p>
-            <a:r>
-              <a:rPr lang="en-US" sz="6000" dirty="0" smtClean="0"/>
-              <a:t>why?</a:t>
-            </a:r>
             <a:endParaRPr lang="en-US" sz="6000" dirty="0"/>
           </a:p>
         </p:txBody>
@@ -3572,7 +3568,7 @@
               <a:buNone/>
             </a:pPr>
             <a:r>
-              <a:rPr lang="en-US" dirty="0" smtClean="0"/>
+              <a:rPr lang="en-US" sz="3600" dirty="0" smtClean="0"/>
               <a:t>Values can change</a:t>
             </a:r>
           </a:p>
@@ -3635,10 +3631,6 @@
           </a:bodyPr>
           <a:lstStyle/>
           <a:p>
-            <a:r>
-              <a:rPr lang="en-US" sz="6000" dirty="0" smtClean="0"/>
-              <a:t>why?</a:t>
-            </a:r>
             <a:endParaRPr lang="en-US" sz="6000" dirty="0"/>
           </a:p>
         </p:txBody>
@@ -3669,7 +3661,15 @@
             </a:pPr>
             <a:r>
               <a:rPr lang="en-US" dirty="0" smtClean="0"/>
-              <a:t>Want to remember the EUR-USD exchange rate</a:t>
+              <a:t>Want to remember the </a:t>
+            </a:r>
+            <a:r>
+              <a:rPr lang="en-US" dirty="0"/>
+              <a:t>USD-EUR </a:t>
+            </a:r>
+            <a:r>
+              <a:rPr lang="en-US" dirty="0" smtClean="0"/>
+              <a:t>exchange rate</a:t>
             </a:r>
           </a:p>
           <a:p>
@@ -3731,10 +3731,6 @@
           </a:bodyPr>
           <a:lstStyle/>
           <a:p>
-            <a:r>
-              <a:rPr lang="en-US" sz="6000" dirty="0" smtClean="0"/>
-              <a:t>why?</a:t>
-            </a:r>
             <a:endParaRPr lang="en-US" sz="6000" dirty="0"/>
           </a:p>
         </p:txBody>
@@ -3964,10 +3960,6 @@
           </a:bodyPr>
           <a:lstStyle/>
           <a:p>
-            <a:r>
-              <a:rPr lang="en-US" sz="6000" dirty="0" smtClean="0"/>
-              <a:t>how?</a:t>
-            </a:r>
             <a:endParaRPr lang="en-US" sz="6000" dirty="0"/>
           </a:p>
         </p:txBody>
@@ -4240,10 +4232,6 @@
           </a:bodyPr>
           <a:lstStyle/>
           <a:p>
-            <a:r>
-              <a:rPr lang="en-US" sz="6000" dirty="0" smtClean="0"/>
-              <a:t>how?</a:t>
-            </a:r>
             <a:endParaRPr lang="en-US" sz="6000" dirty="0"/>
           </a:p>
         </p:txBody>
@@ -4683,10 +4671,6 @@
           </a:bodyPr>
           <a:lstStyle/>
           <a:p>
-            <a:r>
-              <a:rPr lang="en-US" sz="6000" dirty="0" smtClean="0"/>
-              <a:t>how?</a:t>
-            </a:r>
             <a:endParaRPr lang="en-US" sz="6000" dirty="0"/>
           </a:p>
         </p:txBody>

--- a/static/courses/115Slides/1-Expressions.pptx
+++ b/static/courses/115Slides/1-Expressions.pptx
@@ -5,7 +5,7 @@
     <p:sldMasterId id="2147483660" r:id="rId1"/>
   </p:sldMasterIdLst>
   <p:notesMasterIdLst>
-    <p:notesMasterId r:id="rId11"/>
+    <p:notesMasterId r:id="rId12"/>
   </p:notesMasterIdLst>
   <p:sldIdLst>
     <p:sldId id="256" r:id="rId2"/>
@@ -17,6 +17,7 @@
     <p:sldId id="266" r:id="rId8"/>
     <p:sldId id="267" r:id="rId9"/>
     <p:sldId id="265" r:id="rId10"/>
+    <p:sldId id="268" r:id="rId11"/>
   </p:sldIdLst>
   <p:sldSz cx="9144000" cy="6858000" type="screen4x3"/>
   <p:notesSz cx="6858000" cy="9144000"/>
@@ -3505,6 +3506,388 @@
 </p:sld>
 </file>
 
+<file path=ppt/slides/slide10.xml><?xml version="1.0" encoding="utf-8"?>
+<p:sld xmlns:a="http://schemas.openxmlformats.org/drawingml/2006/main" xmlns:r="http://schemas.openxmlformats.org/officeDocument/2006/relationships" xmlns:p="http://schemas.openxmlformats.org/presentationml/2006/main">
+  <p:cSld>
+    <p:spTree>
+      <p:nvGrpSpPr>
+        <p:cNvPr id="1" name=""/>
+        <p:cNvGrpSpPr/>
+        <p:nvPr/>
+      </p:nvGrpSpPr>
+      <p:grpSpPr>
+        <a:xfrm>
+          <a:off x="0" y="0"/>
+          <a:ext cx="0" cy="0"/>
+          <a:chOff x="0" y="0"/>
+          <a:chExt cx="0" cy="0"/>
+        </a:xfrm>
+      </p:grpSpPr>
+      <p:sp>
+        <p:nvSpPr>
+          <p:cNvPr id="7" name="Can 6"/>
+          <p:cNvSpPr/>
+          <p:nvPr/>
+        </p:nvSpPr>
+        <p:spPr>
+          <a:xfrm>
+            <a:off x="1040395" y="2837094"/>
+            <a:ext cx="2652217" cy="2445305"/>
+          </a:xfrm>
+          <a:prstGeom prst="can">
+            <a:avLst/>
+          </a:prstGeom>
+        </p:spPr>
+        <p:style>
+          <a:lnRef idx="1">
+            <a:schemeClr val="dk1"/>
+          </a:lnRef>
+          <a:fillRef idx="2">
+            <a:schemeClr val="dk1"/>
+          </a:fillRef>
+          <a:effectRef idx="1">
+            <a:schemeClr val="dk1"/>
+          </a:effectRef>
+          <a:fontRef idx="minor">
+            <a:schemeClr val="dk1"/>
+          </a:fontRef>
+        </p:style>
+        <p:txBody>
+          <a:bodyPr rtlCol="0" anchor="ctr"/>
+          <a:lstStyle/>
+          <a:p>
+            <a:pPr algn="ctr"/>
+            <a:r>
+              <a:rPr lang="en-US" sz="2800" dirty="0" err="1" smtClean="0"/>
+              <a:t>exchangeRate</a:t>
+            </a:r>
+            <a:endParaRPr lang="en-US" dirty="0"/>
+          </a:p>
+        </p:txBody>
+      </p:sp>
+      <p:sp>
+        <p:nvSpPr>
+          <p:cNvPr id="8" name="Title 1"/>
+          <p:cNvSpPr>
+            <a:spLocks noGrp="1"/>
+          </p:cNvSpPr>
+          <p:nvPr>
+            <p:ph type="title"/>
+          </p:nvPr>
+        </p:nvSpPr>
+        <p:spPr>
+          <a:xfrm>
+            <a:off x="457200" y="274638"/>
+            <a:ext cx="8229600" cy="1143000"/>
+          </a:xfrm>
+        </p:spPr>
+        <p:txBody>
+          <a:bodyPr>
+            <a:normAutofit/>
+          </a:bodyPr>
+          <a:lstStyle/>
+          <a:p>
+            <a:r>
+              <a:rPr lang="en-US" sz="6000" dirty="0" smtClean="0"/>
+              <a:t>Get Value</a:t>
+            </a:r>
+            <a:endParaRPr lang="en-US" sz="6000" dirty="0"/>
+          </a:p>
+        </p:txBody>
+      </p:sp>
+      <p:sp>
+        <p:nvSpPr>
+          <p:cNvPr id="9" name="TextBox 8"/>
+          <p:cNvSpPr txBox="1"/>
+          <p:nvPr/>
+        </p:nvSpPr>
+        <p:spPr>
+          <a:xfrm>
+            <a:off x="1378188" y="5741738"/>
+            <a:ext cx="2314424" cy="707886"/>
+          </a:xfrm>
+          <a:prstGeom prst="rect">
+            <a:avLst/>
+          </a:prstGeom>
+          <a:noFill/>
+        </p:spPr>
+        <p:txBody>
+          <a:bodyPr wrap="square" rtlCol="0">
+            <a:spAutoFit/>
+          </a:bodyPr>
+          <a:lstStyle/>
+          <a:p>
+            <a:r>
+              <a:rPr lang="en-US" sz="4000" dirty="0" smtClean="0"/>
+              <a:t>Variable</a:t>
+            </a:r>
+            <a:endParaRPr lang="en-US" sz="4000" dirty="0"/>
+          </a:p>
+        </p:txBody>
+      </p:sp>
+      <p:sp>
+        <p:nvSpPr>
+          <p:cNvPr id="10" name="Rectangle 9"/>
+          <p:cNvSpPr/>
+          <p:nvPr/>
+        </p:nvSpPr>
+        <p:spPr>
+          <a:xfrm>
+            <a:off x="6107260" y="3396371"/>
+            <a:ext cx="1523791" cy="707886"/>
+          </a:xfrm>
+          <a:prstGeom prst="rect">
+            <a:avLst/>
+          </a:prstGeom>
+        </p:spPr>
+        <p:txBody>
+          <a:bodyPr wrap="square">
+            <a:spAutoFit/>
+          </a:bodyPr>
+          <a:lstStyle/>
+          <a:p>
+            <a:r>
+              <a:rPr lang="en-US" sz="4000" dirty="0" smtClean="0">
+                <a:ln>
+                  <a:solidFill>
+                    <a:schemeClr val="bg1"/>
+                  </a:solidFill>
+                </a:ln>
+              </a:rPr>
+              <a:t>1.6</a:t>
+            </a:r>
+            <a:endParaRPr lang="en-US" sz="4000" dirty="0">
+              <a:ln>
+                <a:solidFill>
+                  <a:schemeClr val="bg1"/>
+                </a:solidFill>
+              </a:ln>
+            </a:endParaRPr>
+          </a:p>
+        </p:txBody>
+      </p:sp>
+      <p:sp>
+        <p:nvSpPr>
+          <p:cNvPr id="6" name="Rectangle 5"/>
+          <p:cNvSpPr/>
+          <p:nvPr/>
+        </p:nvSpPr>
+        <p:spPr>
+          <a:xfrm>
+            <a:off x="1837584" y="3396371"/>
+            <a:ext cx="1523791" cy="707886"/>
+          </a:xfrm>
+          <a:prstGeom prst="rect">
+            <a:avLst/>
+          </a:prstGeom>
+        </p:spPr>
+        <p:txBody>
+          <a:bodyPr wrap="square">
+            <a:spAutoFit/>
+          </a:bodyPr>
+          <a:lstStyle/>
+          <a:p>
+            <a:r>
+              <a:rPr lang="en-US" sz="4000" dirty="0" smtClean="0">
+                <a:ln>
+                  <a:solidFill>
+                    <a:schemeClr val="bg1"/>
+                  </a:solidFill>
+                </a:ln>
+              </a:rPr>
+              <a:t>1.6</a:t>
+            </a:r>
+            <a:endParaRPr lang="en-US" sz="4000" dirty="0">
+              <a:ln>
+                <a:solidFill>
+                  <a:schemeClr val="bg1"/>
+                </a:solidFill>
+              </a:ln>
+            </a:endParaRPr>
+          </a:p>
+        </p:txBody>
+      </p:sp>
+      <p:sp>
+        <p:nvSpPr>
+          <p:cNvPr id="11" name="TextBox 10"/>
+          <p:cNvSpPr txBox="1"/>
+          <p:nvPr/>
+        </p:nvSpPr>
+        <p:spPr>
+          <a:xfrm>
+            <a:off x="6107260" y="5741738"/>
+            <a:ext cx="2314424" cy="707886"/>
+          </a:xfrm>
+          <a:prstGeom prst="rect">
+            <a:avLst/>
+          </a:prstGeom>
+          <a:noFill/>
+        </p:spPr>
+        <p:txBody>
+          <a:bodyPr wrap="square" rtlCol="0">
+            <a:spAutoFit/>
+          </a:bodyPr>
+          <a:lstStyle/>
+          <a:p>
+            <a:r>
+              <a:rPr lang="en-US" sz="4000" dirty="0" smtClean="0"/>
+              <a:t>Value</a:t>
+            </a:r>
+            <a:endParaRPr lang="en-US" sz="4000" dirty="0"/>
+          </a:p>
+        </p:txBody>
+      </p:sp>
+    </p:spTree>
+    <p:extLst>
+      <p:ext uri="{BB962C8B-B14F-4D97-AF65-F5344CB8AC3E}">
+        <p14:creationId xmlns:p14="http://schemas.microsoft.com/office/powerpoint/2010/main" val="3032545654"/>
+      </p:ext>
+    </p:extLst>
+  </p:cSld>
+  <p:clrMapOvr>
+    <a:masterClrMapping/>
+  </p:clrMapOvr>
+  <p:timing>
+    <p:tnLst>
+      <p:par>
+        <p:cTn xmlns:p14="http://schemas.microsoft.com/office/powerpoint/2010/main" id="1" dur="indefinite" restart="never" nodeType="tmRoot">
+          <p:childTnLst>
+            <p:seq concurrent="1" nextAc="seek">
+              <p:cTn id="2" dur="indefinite" nodeType="mainSeq">
+                <p:childTnLst>
+                  <p:par>
+                    <p:cTn id="3" fill="hold">
+                      <p:stCondLst>
+                        <p:cond delay="indefinite"/>
+                      </p:stCondLst>
+                      <p:childTnLst>
+                        <p:par>
+                          <p:cTn id="4" fill="hold">
+                            <p:stCondLst>
+                              <p:cond delay="0"/>
+                            </p:stCondLst>
+                            <p:childTnLst>
+                              <p:par>
+                                <p:cTn id="5" presetID="1" presetClass="entr" presetSubtype="0" fill="hold" grpId="1" nodeType="clickEffect">
+                                  <p:stCondLst>
+                                    <p:cond delay="0"/>
+                                  </p:stCondLst>
+                                  <p:childTnLst>
+                                    <p:set>
+                                      <p:cBhvr>
+                                        <p:cTn id="6" dur="1" fill="hold">
+                                          <p:stCondLst>
+                                            <p:cond delay="0"/>
+                                          </p:stCondLst>
+                                        </p:cTn>
+                                        <p:tgtEl>
+                                          <p:spTgt spid="10"/>
+                                        </p:tgtEl>
+                                        <p:attrNameLst>
+                                          <p:attrName>style.visibility</p:attrName>
+                                        </p:attrNameLst>
+                                      </p:cBhvr>
+                                      <p:to>
+                                        <p:strVal val="visible"/>
+                                      </p:to>
+                                    </p:set>
+                                  </p:childTnLst>
+                                </p:cTn>
+                              </p:par>
+                              <p:par>
+                                <p:cTn id="7" presetID="37" presetClass="path" presetSubtype="0" accel="50000" decel="50000" fill="hold" grpId="0" nodeType="withEffect">
+                                  <p:stCondLst>
+                                    <p:cond delay="0"/>
+                                  </p:stCondLst>
+                                  <p:childTnLst>
+                                    <p:animMotion origin="layout" path="M -4.52968E-6 -4.92019E-6 L -0.12686 -0.1913 C -0.15359 -0.23479 -0.1935 -0.25884 -0.23464 -0.25884 C -0.28236 -0.25884 -0.3202 -0.23479 -0.34658 -0.1913 L -0.47327 -4.92019E-6 " pathEditMode="relative" rAng="0" ptsTypes="FffFF">
+                                      <p:cBhvr>
+                                        <p:cTn id="8" dur="2000" spd="-100000" fill="hold"/>
+                                        <p:tgtEl>
+                                          <p:spTgt spid="10"/>
+                                        </p:tgtEl>
+                                        <p:attrNameLst>
+                                          <p:attrName>ppt_x</p:attrName>
+                                          <p:attrName>ppt_y</p:attrName>
+                                        </p:attrNameLst>
+                                      </p:cBhvr>
+                                      <p:rCtr x="-23672" y="-12954"/>
+                                    </p:animMotion>
+                                  </p:childTnLst>
+                                </p:cTn>
+                              </p:par>
+                            </p:childTnLst>
+                          </p:cTn>
+                        </p:par>
+                        <p:par>
+                          <p:cTn id="9" fill="hold">
+                            <p:stCondLst>
+                              <p:cond delay="2000"/>
+                            </p:stCondLst>
+                            <p:childTnLst>
+                              <p:par>
+                                <p:cTn id="10" presetID="1" presetClass="entr" presetSubtype="0" fill="hold" grpId="0" nodeType="afterEffect">
+                                  <p:stCondLst>
+                                    <p:cond delay="0"/>
+                                  </p:stCondLst>
+                                  <p:childTnLst>
+                                    <p:set>
+                                      <p:cBhvr>
+                                        <p:cTn id="11" dur="1" fill="hold">
+                                          <p:stCondLst>
+                                            <p:cond delay="0"/>
+                                          </p:stCondLst>
+                                        </p:cTn>
+                                        <p:tgtEl>
+                                          <p:spTgt spid="11"/>
+                                        </p:tgtEl>
+                                        <p:attrNameLst>
+                                          <p:attrName>style.visibility</p:attrName>
+                                        </p:attrNameLst>
+                                      </p:cBhvr>
+                                      <p:to>
+                                        <p:strVal val="visible"/>
+                                      </p:to>
+                                    </p:set>
+                                  </p:childTnLst>
+                                </p:cTn>
+                              </p:par>
+                            </p:childTnLst>
+                          </p:cTn>
+                        </p:par>
+                      </p:childTnLst>
+                    </p:cTn>
+                  </p:par>
+                </p:childTnLst>
+              </p:cTn>
+              <p:prevCondLst>
+                <p:cond evt="onPrev" delay="0">
+                  <p:tgtEl>
+                    <p:sldTgt/>
+                  </p:tgtEl>
+                </p:cond>
+              </p:prevCondLst>
+              <p:nextCondLst>
+                <p:cond evt="onNext" delay="0">
+                  <p:tgtEl>
+                    <p:sldTgt/>
+                  </p:tgtEl>
+                </p:cond>
+              </p:nextCondLst>
+            </p:seq>
+          </p:childTnLst>
+        </p:cTn>
+      </p:par>
+    </p:tnLst>
+    <p:bldLst>
+      <p:bldP spid="10" grpId="0"/>
+      <p:bldP spid="10" grpId="1"/>
+      <p:bldP spid="11" grpId="0"/>
+    </p:bldLst>
+  </p:timing>
+</p:sld>
+</file>
+
 <file path=ppt/slides/slide2.xml><?xml version="1.0" encoding="utf-8"?>
 <p:sld xmlns:a="http://schemas.openxmlformats.org/drawingml/2006/main" xmlns:r="http://schemas.openxmlformats.org/officeDocument/2006/relationships" xmlns:p="http://schemas.openxmlformats.org/presentationml/2006/main">
   <p:cSld>
@@ -3569,7 +3952,11 @@
             </a:pPr>
             <a:r>
               <a:rPr lang="en-US" sz="3600" dirty="0" smtClean="0"/>
-              <a:t>Values can change</a:t>
+              <a:t>Because values </a:t>
+            </a:r>
+            <a:r>
+              <a:rPr lang="en-US" sz="3600" dirty="0" smtClean="0"/>
+              <a:t>can change</a:t>
             </a:r>
           </a:p>
           <a:p>
@@ -3660,8 +4047,16 @@
               <a:buNone/>
             </a:pPr>
             <a:r>
+              <a:rPr lang="en-US" dirty="0"/>
+              <a:t>R</a:t>
+            </a:r>
+            <a:r>
               <a:rPr lang="en-US" dirty="0" smtClean="0"/>
-              <a:t>Want to remember the </a:t>
+              <a:t>emember </a:t>
+            </a:r>
+            <a:r>
+              <a:rPr lang="en-US" dirty="0" smtClean="0"/>
+              <a:t>the </a:t>
             </a:r>
             <a:r>
               <a:rPr lang="en-US" dirty="0"/>
